--- a/documents/Midterm Report/figs/figures.pptx
+++ b/documents/Midterm Report/figs/figures.pptx
@@ -7,6 +7,7 @@
   <p:sldIdLst>
     <p:sldId id="256" r:id="rId2"/>
     <p:sldId id="257" r:id="rId3"/>
+    <p:sldId id="258" r:id="rId4"/>
   </p:sldIdLst>
   <p:sldSz cx="12192000" cy="6858000"/>
   <p:notesSz cx="6858000" cy="9144000"/>
@@ -105,6 +106,11 @@
       </a:defRPr>
     </a:lvl9pPr>
   </p:defaultTextStyle>
+  <p:extLst>
+    <p:ext uri="{EFAFB233-063F-42B5-8137-9DF3F51BA10A}">
+      <p15:sldGuideLst xmlns:p15="http://schemas.microsoft.com/office/powerpoint/2012/main"/>
+    </p:ext>
+  </p:extLst>
 </p:presentation>
 </file>
 
@@ -255,7 +261,7 @@
           <a:p>
             <a:fld id="{255A7A57-1CAC-6A4F-B9A1-411C7130925B}" type="datetimeFigureOut">
               <a:rPr lang="en-US" smtClean="0"/>
-              <a:t>2/6/25</a:t>
+              <a:t>3/5/25</a:t>
             </a:fld>
             <a:endParaRPr lang="en-US"/>
           </a:p>
@@ -453,7 +459,7 @@
           <a:p>
             <a:fld id="{255A7A57-1CAC-6A4F-B9A1-411C7130925B}" type="datetimeFigureOut">
               <a:rPr lang="en-US" smtClean="0"/>
-              <a:t>2/6/25</a:t>
+              <a:t>3/5/25</a:t>
             </a:fld>
             <a:endParaRPr lang="en-US"/>
           </a:p>
@@ -661,7 +667,7 @@
           <a:p>
             <a:fld id="{255A7A57-1CAC-6A4F-B9A1-411C7130925B}" type="datetimeFigureOut">
               <a:rPr lang="en-US" smtClean="0"/>
-              <a:t>2/6/25</a:t>
+              <a:t>3/5/25</a:t>
             </a:fld>
             <a:endParaRPr lang="en-US"/>
           </a:p>
@@ -859,7 +865,7 @@
           <a:p>
             <a:fld id="{255A7A57-1CAC-6A4F-B9A1-411C7130925B}" type="datetimeFigureOut">
               <a:rPr lang="en-US" smtClean="0"/>
-              <a:t>2/6/25</a:t>
+              <a:t>3/5/25</a:t>
             </a:fld>
             <a:endParaRPr lang="en-US"/>
           </a:p>
@@ -1134,7 +1140,7 @@
           <a:p>
             <a:fld id="{255A7A57-1CAC-6A4F-B9A1-411C7130925B}" type="datetimeFigureOut">
               <a:rPr lang="en-US" smtClean="0"/>
-              <a:t>2/6/25</a:t>
+              <a:t>3/5/25</a:t>
             </a:fld>
             <a:endParaRPr lang="en-US"/>
           </a:p>
@@ -1399,7 +1405,7 @@
           <a:p>
             <a:fld id="{255A7A57-1CAC-6A4F-B9A1-411C7130925B}" type="datetimeFigureOut">
               <a:rPr lang="en-US" smtClean="0"/>
-              <a:t>2/6/25</a:t>
+              <a:t>3/5/25</a:t>
             </a:fld>
             <a:endParaRPr lang="en-US"/>
           </a:p>
@@ -1811,7 +1817,7 @@
           <a:p>
             <a:fld id="{255A7A57-1CAC-6A4F-B9A1-411C7130925B}" type="datetimeFigureOut">
               <a:rPr lang="en-US" smtClean="0"/>
-              <a:t>2/6/25</a:t>
+              <a:t>3/5/25</a:t>
             </a:fld>
             <a:endParaRPr lang="en-US"/>
           </a:p>
@@ -1952,7 +1958,7 @@
           <a:p>
             <a:fld id="{255A7A57-1CAC-6A4F-B9A1-411C7130925B}" type="datetimeFigureOut">
               <a:rPr lang="en-US" smtClean="0"/>
-              <a:t>2/6/25</a:t>
+              <a:t>3/5/25</a:t>
             </a:fld>
             <a:endParaRPr lang="en-US"/>
           </a:p>
@@ -2065,7 +2071,7 @@
           <a:p>
             <a:fld id="{255A7A57-1CAC-6A4F-B9A1-411C7130925B}" type="datetimeFigureOut">
               <a:rPr lang="en-US" smtClean="0"/>
-              <a:t>2/6/25</a:t>
+              <a:t>3/5/25</a:t>
             </a:fld>
             <a:endParaRPr lang="en-US"/>
           </a:p>
@@ -2376,7 +2382,7 @@
           <a:p>
             <a:fld id="{255A7A57-1CAC-6A4F-B9A1-411C7130925B}" type="datetimeFigureOut">
               <a:rPr lang="en-US" smtClean="0"/>
-              <a:t>2/6/25</a:t>
+              <a:t>3/5/25</a:t>
             </a:fld>
             <a:endParaRPr lang="en-US"/>
           </a:p>
@@ -2664,7 +2670,7 @@
           <a:p>
             <a:fld id="{255A7A57-1CAC-6A4F-B9A1-411C7130925B}" type="datetimeFigureOut">
               <a:rPr lang="en-US" smtClean="0"/>
-              <a:t>2/6/25</a:t>
+              <a:t>3/5/25</a:t>
             </a:fld>
             <a:endParaRPr lang="en-US"/>
           </a:p>
@@ -2905,7 +2911,7 @@
           <a:p>
             <a:fld id="{255A7A57-1CAC-6A4F-B9A1-411C7130925B}" type="datetimeFigureOut">
               <a:rPr lang="en-US" smtClean="0"/>
-              <a:t>2/6/25</a:t>
+              <a:t>3/5/25</a:t>
             </a:fld>
             <a:endParaRPr lang="en-US"/>
           </a:p>
@@ -5935,6 +5941,1811 @@
 </p:sld>
 </file>
 
+<file path=ppt/slides/slide3.xml><?xml version="1.0" encoding="utf-8"?>
+<p:sld xmlns:a="http://schemas.openxmlformats.org/drawingml/2006/main" xmlns:r="http://schemas.openxmlformats.org/officeDocument/2006/relationships" xmlns:p="http://schemas.openxmlformats.org/presentationml/2006/main">
+  <p:cSld>
+    <p:spTree>
+      <p:nvGrpSpPr>
+        <p:cNvPr id="1" name="">
+          <a:extLst>
+            <a:ext uri="{FF2B5EF4-FFF2-40B4-BE49-F238E27FC236}">
+              <a16:creationId xmlns:a16="http://schemas.microsoft.com/office/drawing/2014/main" id="{81A5BCDC-F991-7E25-0940-AAB29A4CFEC9}"/>
+            </a:ext>
+          </a:extLst>
+        </p:cNvPr>
+        <p:cNvGrpSpPr/>
+        <p:nvPr/>
+      </p:nvGrpSpPr>
+      <p:grpSpPr>
+        <a:xfrm>
+          <a:off x="0" y="0"/>
+          <a:ext cx="0" cy="0"/>
+          <a:chOff x="0" y="0"/>
+          <a:chExt cx="0" cy="0"/>
+        </a:xfrm>
+      </p:grpSpPr>
+      <p:grpSp>
+        <p:nvGrpSpPr>
+          <p:cNvPr id="57" name="Group 56">
+            <a:extLst>
+              <a:ext uri="{FF2B5EF4-FFF2-40B4-BE49-F238E27FC236}">
+                <a16:creationId xmlns:a16="http://schemas.microsoft.com/office/drawing/2014/main" id="{36F5B3F9-A66A-F955-C185-C065A5D778C0}"/>
+              </a:ext>
+            </a:extLst>
+          </p:cNvPr>
+          <p:cNvGrpSpPr/>
+          <p:nvPr/>
+        </p:nvGrpSpPr>
+        <p:grpSpPr>
+          <a:xfrm>
+            <a:off x="-1" y="46835"/>
+            <a:ext cx="12099621" cy="6686624"/>
+            <a:chOff x="-1" y="46835"/>
+            <a:chExt cx="12099621" cy="6686624"/>
+          </a:xfrm>
+        </p:grpSpPr>
+        <p:sp>
+          <p:nvSpPr>
+            <p:cNvPr id="81" name="矩形 10">
+              <a:extLst>
+                <a:ext uri="{FF2B5EF4-FFF2-40B4-BE49-F238E27FC236}">
+                  <a16:creationId xmlns:a16="http://schemas.microsoft.com/office/drawing/2014/main" id="{9159C554-F9F8-CB4E-F0E1-85F1F0EE16D8}"/>
+                </a:ext>
+              </a:extLst>
+            </p:cNvPr>
+            <p:cNvSpPr/>
+            <p:nvPr/>
+          </p:nvSpPr>
+          <p:spPr>
+            <a:xfrm>
+              <a:off x="-1" y="973010"/>
+              <a:ext cx="4438983" cy="3597599"/>
+            </a:xfrm>
+            <a:prstGeom prst="rect">
+              <a:avLst/>
+            </a:prstGeom>
+            <a:solidFill>
+              <a:schemeClr val="tx2">
+                <a:lumMod val="10000"/>
+                <a:lumOff val="90000"/>
+              </a:schemeClr>
+            </a:solidFill>
+            <a:ln w="19050">
+              <a:solidFill>
+                <a:schemeClr val="tx1"/>
+              </a:solidFill>
+              <a:prstDash val="lgDash"/>
+            </a:ln>
+          </p:spPr>
+          <p:style>
+            <a:lnRef idx="2">
+              <a:schemeClr val="accent1">
+                <a:shade val="50000"/>
+              </a:schemeClr>
+            </a:lnRef>
+            <a:fillRef idx="1">
+              <a:schemeClr val="accent1"/>
+            </a:fillRef>
+            <a:effectRef idx="0">
+              <a:schemeClr val="accent1"/>
+            </a:effectRef>
+            <a:fontRef idx="minor">
+              <a:schemeClr val="lt1"/>
+            </a:fontRef>
+          </p:style>
+          <p:txBody>
+            <a:bodyPr rtlCol="0" anchor="ctr"/>
+            <a:lstStyle/>
+            <a:p>
+              <a:pPr algn="ctr"/>
+              <a:endParaRPr lang="zh-CN" altLang="en-US"/>
+            </a:p>
+          </p:txBody>
+        </p:sp>
+        <p:sp>
+          <p:nvSpPr>
+            <p:cNvPr id="79" name="矩形 10">
+              <a:extLst>
+                <a:ext uri="{FF2B5EF4-FFF2-40B4-BE49-F238E27FC236}">
+                  <a16:creationId xmlns:a16="http://schemas.microsoft.com/office/drawing/2014/main" id="{AEF0865F-C987-714E-E3AA-E8FCB6C2F689}"/>
+                </a:ext>
+              </a:extLst>
+            </p:cNvPr>
+            <p:cNvSpPr/>
+            <p:nvPr/>
+          </p:nvSpPr>
+          <p:spPr>
+            <a:xfrm>
+              <a:off x="4609752" y="46835"/>
+              <a:ext cx="7489868" cy="6686624"/>
+            </a:xfrm>
+            <a:prstGeom prst="rect">
+              <a:avLst/>
+            </a:prstGeom>
+            <a:solidFill>
+              <a:schemeClr val="tx2">
+                <a:lumMod val="10000"/>
+                <a:lumOff val="90000"/>
+              </a:schemeClr>
+            </a:solidFill>
+            <a:ln w="19050">
+              <a:solidFill>
+                <a:schemeClr val="tx1"/>
+              </a:solidFill>
+              <a:prstDash val="lgDash"/>
+            </a:ln>
+          </p:spPr>
+          <p:style>
+            <a:lnRef idx="2">
+              <a:schemeClr val="accent1">
+                <a:shade val="50000"/>
+              </a:schemeClr>
+            </a:lnRef>
+            <a:fillRef idx="1">
+              <a:schemeClr val="accent1"/>
+            </a:fillRef>
+            <a:effectRef idx="0">
+              <a:schemeClr val="accent1"/>
+            </a:effectRef>
+            <a:fontRef idx="minor">
+              <a:schemeClr val="lt1"/>
+            </a:fontRef>
+          </p:style>
+          <p:txBody>
+            <a:bodyPr rtlCol="0" anchor="ctr"/>
+            <a:lstStyle/>
+            <a:p>
+              <a:pPr algn="ctr"/>
+              <a:endParaRPr lang="zh-CN" altLang="en-US"/>
+            </a:p>
+          </p:txBody>
+        </p:sp>
+        <p:sp>
+          <p:nvSpPr>
+            <p:cNvPr id="4" name="矩形 52">
+              <a:extLst>
+                <a:ext uri="{FF2B5EF4-FFF2-40B4-BE49-F238E27FC236}">
+                  <a16:creationId xmlns:a16="http://schemas.microsoft.com/office/drawing/2014/main" id="{E07A13E6-257E-4D5D-7CCE-9A40BB166EC9}"/>
+                </a:ext>
+              </a:extLst>
+            </p:cNvPr>
+            <p:cNvSpPr/>
+            <p:nvPr/>
+          </p:nvSpPr>
+          <p:spPr>
+            <a:xfrm>
+              <a:off x="92380" y="1641217"/>
+              <a:ext cx="4160068" cy="1180580"/>
+            </a:xfrm>
+            <a:prstGeom prst="rect">
+              <a:avLst/>
+            </a:prstGeom>
+            <a:solidFill>
+              <a:schemeClr val="accent1">
+                <a:lumMod val="20000"/>
+                <a:lumOff val="80000"/>
+              </a:schemeClr>
+            </a:solidFill>
+            <a:ln/>
+          </p:spPr>
+          <p:style>
+            <a:lnRef idx="2">
+              <a:schemeClr val="dk1"/>
+            </a:lnRef>
+            <a:fillRef idx="1">
+              <a:schemeClr val="lt1"/>
+            </a:fillRef>
+            <a:effectRef idx="0">
+              <a:schemeClr val="dk1"/>
+            </a:effectRef>
+            <a:fontRef idx="minor">
+              <a:schemeClr val="dk1"/>
+            </a:fontRef>
+          </p:style>
+          <p:txBody>
+            <a:bodyPr rtlCol="0" anchor="ctr"/>
+            <a:lstStyle/>
+            <a:p>
+              <a:r>
+                <a:rPr lang="en-US" altLang="zh-CN" b="1" dirty="0">
+                  <a:solidFill>
+                    <a:schemeClr val="tx1"/>
+                  </a:solidFill>
+                  <a:latin typeface="Calibri" panose="020F0502020204030204" pitchFamily="34" charset="0"/>
+                  <a:cs typeface="Calibri" panose="020F0502020204030204" pitchFamily="34" charset="0"/>
+                </a:rPr>
+                <a:t>Web Page (Optional):</a:t>
+              </a:r>
+            </a:p>
+            <a:p>
+              <a:pPr marL="285750" indent="-285750">
+                <a:buFont typeface="Arial" panose="020B0604020202020204" pitchFamily="34" charset="0"/>
+                <a:buChar char="•"/>
+              </a:pPr>
+              <a:r>
+                <a:rPr lang="en-US" altLang="zh-CN" b="1" i="1" dirty="0">
+                  <a:solidFill>
+                    <a:schemeClr val="tx1"/>
+                  </a:solidFill>
+                  <a:latin typeface="Times New Roman" panose="02020603050405020304" pitchFamily="18" charset="0"/>
+                  <a:cs typeface="Times New Roman" panose="02020603050405020304" pitchFamily="18" charset="0"/>
+                </a:rPr>
+                <a:t>HTML</a:t>
+              </a:r>
+              <a:r>
+                <a:rPr lang="zh-CN" altLang="en-US" b="1" dirty="0">
+                  <a:solidFill>
+                    <a:schemeClr val="tx1"/>
+                  </a:solidFill>
+                  <a:latin typeface="Calibri" panose="020F0502020204030204" pitchFamily="34" charset="0"/>
+                  <a:cs typeface="Calibri" panose="020F0502020204030204" pitchFamily="34" charset="0"/>
+                </a:rPr>
+                <a:t> </a:t>
+              </a:r>
+              <a:r>
+                <a:rPr lang="en-US" altLang="zh-CN" b="1" dirty="0">
+                  <a:solidFill>
+                    <a:schemeClr val="tx1"/>
+                  </a:solidFill>
+                  <a:latin typeface="Calibri" panose="020F0502020204030204" pitchFamily="34" charset="0"/>
+                  <a:cs typeface="Calibri" panose="020F0502020204030204" pitchFamily="34" charset="0"/>
+                </a:rPr>
+                <a:t>and </a:t>
+              </a:r>
+              <a:r>
+                <a:rPr lang="en-US" altLang="zh-CN" b="1" i="1" dirty="0">
+                  <a:solidFill>
+                    <a:schemeClr val="tx1"/>
+                  </a:solidFill>
+                  <a:latin typeface="Times New Roman" panose="02020603050405020304" pitchFamily="18" charset="0"/>
+                  <a:cs typeface="Times New Roman" panose="02020603050405020304" pitchFamily="18" charset="0"/>
+                </a:rPr>
+                <a:t>CSS</a:t>
+              </a:r>
+              <a:r>
+                <a:rPr lang="en-US" altLang="zh-CN" b="1" dirty="0">
+                  <a:solidFill>
+                    <a:schemeClr val="tx1"/>
+                  </a:solidFill>
+                  <a:latin typeface="Calibri" panose="020F0502020204030204" pitchFamily="34" charset="0"/>
+                  <a:cs typeface="Calibri" panose="020F0502020204030204" pitchFamily="34" charset="0"/>
+                </a:rPr>
+                <a:t> for page decoration;</a:t>
+              </a:r>
+            </a:p>
+            <a:p>
+              <a:pPr marL="285750" indent="-285750">
+                <a:buFont typeface="Arial" panose="020B0604020202020204" pitchFamily="34" charset="0"/>
+                <a:buChar char="•"/>
+              </a:pPr>
+              <a:r>
+                <a:rPr lang="en-US" altLang="zh-CN" b="1" i="1" dirty="0">
+                  <a:solidFill>
+                    <a:schemeClr val="tx1"/>
+                  </a:solidFill>
+                  <a:latin typeface="Times New Roman" panose="02020603050405020304" pitchFamily="18" charset="0"/>
+                  <a:cs typeface="Times New Roman" panose="02020603050405020304" pitchFamily="18" charset="0"/>
+                </a:rPr>
+                <a:t>JavaScript</a:t>
+              </a:r>
+              <a:r>
+                <a:rPr lang="en-US" altLang="zh-CN" b="1" dirty="0">
+                  <a:solidFill>
+                    <a:schemeClr val="tx1"/>
+                  </a:solidFill>
+                  <a:latin typeface="Calibri" panose="020F0502020204030204" pitchFamily="34" charset="0"/>
+                  <a:cs typeface="Calibri" panose="020F0502020204030204" pitchFamily="34" charset="0"/>
+                </a:rPr>
+                <a:t> for User Interaction;</a:t>
+              </a:r>
+            </a:p>
+            <a:p>
+              <a:pPr marL="285750" indent="-285750">
+                <a:buFont typeface="Arial" panose="020B0604020202020204" pitchFamily="34" charset="0"/>
+                <a:buChar char="•"/>
+              </a:pPr>
+              <a:r>
+                <a:rPr lang="en-US" b="1" i="1" dirty="0" err="1">
+                  <a:solidFill>
+                    <a:srgbClr val="0E0E0E"/>
+                  </a:solidFill>
+                  <a:effectLst/>
+                  <a:latin typeface="Times New Roman" panose="02020603050405020304" pitchFamily="18" charset="0"/>
+                  <a:cs typeface="Times New Roman" panose="02020603050405020304" pitchFamily="18" charset="0"/>
+                </a:rPr>
+                <a:t>React.js</a:t>
+              </a:r>
+              <a:r>
+                <a:rPr lang="en-US" b="1" i="1" dirty="0">
+                  <a:solidFill>
+                    <a:srgbClr val="0E0E0E"/>
+                  </a:solidFill>
+                  <a:effectLst/>
+                  <a:latin typeface="Times New Roman" panose="02020603050405020304" pitchFamily="18" charset="0"/>
+                  <a:cs typeface="Times New Roman" panose="02020603050405020304" pitchFamily="18" charset="0"/>
+                </a:rPr>
+                <a:t> </a:t>
+              </a:r>
+              <a:r>
+                <a:rPr lang="en-US" b="1" dirty="0">
+                  <a:solidFill>
+                    <a:srgbClr val="0E0E0E"/>
+                  </a:solidFill>
+                  <a:effectLst/>
+                  <a:latin typeface="Calibri" panose="020F0502020204030204" pitchFamily="34" charset="0"/>
+                  <a:cs typeface="Calibri" panose="020F0502020204030204" pitchFamily="34" charset="0"/>
+                </a:rPr>
+                <a:t>or </a:t>
+              </a:r>
+              <a:r>
+                <a:rPr lang="en-US" b="1" i="1" dirty="0" err="1">
+                  <a:solidFill>
+                    <a:srgbClr val="0E0E0E"/>
+                  </a:solidFill>
+                  <a:effectLst/>
+                  <a:latin typeface="Times New Roman" panose="02020603050405020304" pitchFamily="18" charset="0"/>
+                  <a:cs typeface="Times New Roman" panose="02020603050405020304" pitchFamily="18" charset="0"/>
+                </a:rPr>
+                <a:t>VUE.js</a:t>
+              </a:r>
+              <a:r>
+                <a:rPr lang="en-US" b="1" i="1" dirty="0">
+                  <a:solidFill>
+                    <a:srgbClr val="0E0E0E"/>
+                  </a:solidFill>
+                  <a:effectLst/>
+                  <a:latin typeface="Times New Roman" panose="02020603050405020304" pitchFamily="18" charset="0"/>
+                  <a:cs typeface="Times New Roman" panose="02020603050405020304" pitchFamily="18" charset="0"/>
+                </a:rPr>
+                <a:t> </a:t>
+              </a:r>
+              <a:r>
+                <a:rPr lang="en-US" b="1" dirty="0">
+                  <a:solidFill>
+                    <a:srgbClr val="0E0E0E"/>
+                  </a:solidFill>
+                  <a:effectLst/>
+                  <a:latin typeface="Calibri" panose="020F0502020204030204" pitchFamily="34" charset="0"/>
+                  <a:cs typeface="Calibri" panose="020F0502020204030204" pitchFamily="34" charset="0"/>
+                </a:rPr>
+                <a:t>for GIS visu</a:t>
+              </a:r>
+              <a:r>
+                <a:rPr lang="en-US" b="1" dirty="0">
+                  <a:solidFill>
+                    <a:srgbClr val="0E0E0E"/>
+                  </a:solidFill>
+                  <a:latin typeface="Calibri" panose="020F0502020204030204" pitchFamily="34" charset="0"/>
+                  <a:cs typeface="Calibri" panose="020F0502020204030204" pitchFamily="34" charset="0"/>
+                </a:rPr>
+                <a:t>alization</a:t>
+              </a:r>
+              <a:endParaRPr lang="en-US" altLang="zh-CN" b="1" dirty="0">
+                <a:solidFill>
+                  <a:schemeClr val="tx1"/>
+                </a:solidFill>
+                <a:latin typeface="Calibri" panose="020F0502020204030204" pitchFamily="34" charset="0"/>
+                <a:cs typeface="Calibri" panose="020F0502020204030204" pitchFamily="34" charset="0"/>
+              </a:endParaRPr>
+            </a:p>
+          </p:txBody>
+        </p:sp>
+        <p:sp>
+          <p:nvSpPr>
+            <p:cNvPr id="8" name="矩形 52">
+              <a:extLst>
+                <a:ext uri="{FF2B5EF4-FFF2-40B4-BE49-F238E27FC236}">
+                  <a16:creationId xmlns:a16="http://schemas.microsoft.com/office/drawing/2014/main" id="{BE0DB364-736B-E307-7EB9-20EDA0A6B655}"/>
+                </a:ext>
+              </a:extLst>
+            </p:cNvPr>
+            <p:cNvSpPr/>
+            <p:nvPr/>
+          </p:nvSpPr>
+          <p:spPr>
+            <a:xfrm>
+              <a:off x="8168536" y="485218"/>
+              <a:ext cx="3572504" cy="2324266"/>
+            </a:xfrm>
+            <a:prstGeom prst="rect">
+              <a:avLst/>
+            </a:prstGeom>
+            <a:solidFill>
+              <a:schemeClr val="accent6">
+                <a:lumMod val="20000"/>
+                <a:lumOff val="80000"/>
+              </a:schemeClr>
+            </a:solidFill>
+            <a:ln/>
+          </p:spPr>
+          <p:style>
+            <a:lnRef idx="2">
+              <a:schemeClr val="dk1"/>
+            </a:lnRef>
+            <a:fillRef idx="1">
+              <a:schemeClr val="lt1"/>
+            </a:fillRef>
+            <a:effectRef idx="0">
+              <a:schemeClr val="dk1"/>
+            </a:effectRef>
+            <a:fontRef idx="minor">
+              <a:schemeClr val="dk1"/>
+            </a:fontRef>
+          </p:style>
+          <p:txBody>
+            <a:bodyPr rtlCol="0" anchor="ctr"/>
+            <a:lstStyle/>
+            <a:p>
+              <a:r>
+                <a:rPr lang="en-US" altLang="zh-CN" b="1" dirty="0">
+                  <a:solidFill>
+                    <a:schemeClr val="tx1"/>
+                  </a:solidFill>
+                  <a:latin typeface="Calibri" panose="020F0502020204030204" pitchFamily="34" charset="0"/>
+                  <a:cs typeface="Calibri" panose="020F0502020204030204" pitchFamily="34" charset="0"/>
+                </a:rPr>
+                <a:t>LLM Query Model:</a:t>
+              </a:r>
+            </a:p>
+            <a:p>
+              <a:pPr marL="285750" indent="-285750">
+                <a:buFont typeface="Arial" panose="020B0604020202020204" pitchFamily="34" charset="0"/>
+                <a:buChar char="•"/>
+              </a:pPr>
+              <a:r>
+                <a:rPr lang="en-US" altLang="zh-CN" b="1" i="1" dirty="0" err="1">
+                  <a:solidFill>
+                    <a:schemeClr val="tx1"/>
+                  </a:solidFill>
+                  <a:latin typeface="Times New Roman" panose="02020603050405020304" pitchFamily="18" charset="0"/>
+                  <a:cs typeface="Times New Roman" panose="02020603050405020304" pitchFamily="18" charset="0"/>
+                </a:rPr>
+                <a:t>AnythingLLM</a:t>
+              </a:r>
+              <a:r>
+                <a:rPr lang="en-US" altLang="zh-CN" b="1" dirty="0">
+                  <a:solidFill>
+                    <a:schemeClr val="tx1"/>
+                  </a:solidFill>
+                  <a:latin typeface="Calibri" panose="020F0502020204030204" pitchFamily="34" charset="0"/>
+                  <a:cs typeface="Calibri" panose="020F0502020204030204" pitchFamily="34" charset="0"/>
+                </a:rPr>
+                <a:t> for LLM model </a:t>
+              </a:r>
+              <a:r>
+                <a:rPr lang="en-US" altLang="zh-CN" b="1" dirty="0" err="1">
+                  <a:solidFill>
+                    <a:schemeClr val="tx1"/>
+                  </a:solidFill>
+                  <a:latin typeface="Calibri" panose="020F0502020204030204" pitchFamily="34" charset="0"/>
+                  <a:cs typeface="Calibri" panose="020F0502020204030204" pitchFamily="34" charset="0"/>
+                </a:rPr>
+                <a:t>demployment</a:t>
+              </a:r>
+              <a:r>
+                <a:rPr lang="en-US" altLang="zh-CN" b="1" dirty="0">
+                  <a:solidFill>
+                    <a:schemeClr val="tx1"/>
+                  </a:solidFill>
+                  <a:latin typeface="Calibri" panose="020F0502020204030204" pitchFamily="34" charset="0"/>
+                  <a:cs typeface="Calibri" panose="020F0502020204030204" pitchFamily="34" charset="0"/>
+                </a:rPr>
+                <a:t>;</a:t>
+              </a:r>
+            </a:p>
+            <a:p>
+              <a:pPr marL="285750" indent="-285750">
+                <a:buFont typeface="Arial" panose="020B0604020202020204" pitchFamily="34" charset="0"/>
+                <a:buChar char="•"/>
+              </a:pPr>
+              <a:r>
+                <a:rPr lang="en-US" altLang="zh-CN" b="1" i="1" dirty="0">
+                  <a:solidFill>
+                    <a:schemeClr val="tx1"/>
+                  </a:solidFill>
+                  <a:latin typeface="Times New Roman" panose="02020603050405020304" pitchFamily="18" charset="0"/>
+                  <a:cs typeface="Times New Roman" panose="02020603050405020304" pitchFamily="18" charset="0"/>
+                </a:rPr>
+                <a:t>Docker</a:t>
+              </a:r>
+              <a:r>
+                <a:rPr lang="en-US" altLang="zh-CN" b="1" dirty="0">
+                  <a:solidFill>
+                    <a:schemeClr val="tx1"/>
+                  </a:solidFill>
+                  <a:latin typeface="Calibri" panose="020F0502020204030204" pitchFamily="34" charset="0"/>
+                  <a:cs typeface="Calibri" panose="020F0502020204030204" pitchFamily="34" charset="0"/>
+                </a:rPr>
+                <a:t> for environment and API;</a:t>
+              </a:r>
+            </a:p>
+            <a:p>
+              <a:pPr marL="285750" indent="-285750">
+                <a:buFont typeface="Arial" panose="020B0604020202020204" pitchFamily="34" charset="0"/>
+                <a:buChar char="•"/>
+              </a:pPr>
+              <a:r>
+                <a:rPr lang="en-US" altLang="zh-CN" b="1" i="1" dirty="0" err="1">
+                  <a:solidFill>
+                    <a:schemeClr val="tx1"/>
+                  </a:solidFill>
+                  <a:latin typeface="Times New Roman" panose="02020603050405020304" pitchFamily="18" charset="0"/>
+                  <a:cs typeface="Times New Roman" panose="02020603050405020304" pitchFamily="18" charset="0"/>
+                </a:rPr>
+                <a:t>Ollama</a:t>
+              </a:r>
+              <a:r>
+                <a:rPr lang="en-US" altLang="zh-CN" b="1" dirty="0">
+                  <a:solidFill>
+                    <a:schemeClr val="tx1"/>
+                  </a:solidFill>
+                  <a:latin typeface="Calibri" panose="020F0502020204030204" pitchFamily="34" charset="0"/>
+                  <a:cs typeface="Calibri" panose="020F0502020204030204" pitchFamily="34" charset="0"/>
+                </a:rPr>
+                <a:t> for local model or ChatGPT for LLM API;</a:t>
+              </a:r>
+            </a:p>
+            <a:p>
+              <a:pPr marL="285750" indent="-285750">
+                <a:buFont typeface="Arial" panose="020B0604020202020204" pitchFamily="34" charset="0"/>
+                <a:buChar char="•"/>
+              </a:pPr>
+              <a:r>
+                <a:rPr lang="en-US" altLang="zh-CN" b="1" i="1" dirty="0" err="1">
+                  <a:solidFill>
+                    <a:schemeClr val="tx1"/>
+                  </a:solidFill>
+                  <a:latin typeface="Times New Roman" panose="02020603050405020304" pitchFamily="18" charset="0"/>
+                  <a:cs typeface="Times New Roman" panose="02020603050405020304" pitchFamily="18" charset="0"/>
+                </a:rPr>
+                <a:t>LenceDB</a:t>
+              </a:r>
+              <a:r>
+                <a:rPr lang="en-US" altLang="zh-CN" b="1" dirty="0">
+                  <a:solidFill>
+                    <a:schemeClr val="tx1"/>
+                  </a:solidFill>
+                  <a:latin typeface="Calibri" panose="020F0502020204030204" pitchFamily="34" charset="0"/>
+                  <a:cs typeface="Calibri" panose="020F0502020204030204" pitchFamily="34" charset="0"/>
+                </a:rPr>
+                <a:t> is used to provide the database Schema;</a:t>
+              </a:r>
+            </a:p>
+          </p:txBody>
+        </p:sp>
+        <p:sp>
+          <p:nvSpPr>
+            <p:cNvPr id="9" name="矩形 52">
+              <a:extLst>
+                <a:ext uri="{FF2B5EF4-FFF2-40B4-BE49-F238E27FC236}">
+                  <a16:creationId xmlns:a16="http://schemas.microsoft.com/office/drawing/2014/main" id="{5404D1B1-67EF-C786-2261-8714BDB9762D}"/>
+                </a:ext>
+              </a:extLst>
+            </p:cNvPr>
+            <p:cNvSpPr/>
+            <p:nvPr/>
+          </p:nvSpPr>
+          <p:spPr>
+            <a:xfrm>
+              <a:off x="4769806" y="2778521"/>
+              <a:ext cx="2867846" cy="1792088"/>
+            </a:xfrm>
+            <a:prstGeom prst="rect">
+              <a:avLst/>
+            </a:prstGeom>
+            <a:solidFill>
+              <a:schemeClr val="accent5">
+                <a:lumMod val="20000"/>
+                <a:lumOff val="80000"/>
+              </a:schemeClr>
+            </a:solidFill>
+            <a:ln/>
+          </p:spPr>
+          <p:style>
+            <a:lnRef idx="2">
+              <a:schemeClr val="dk1"/>
+            </a:lnRef>
+            <a:fillRef idx="1">
+              <a:schemeClr val="lt1"/>
+            </a:fillRef>
+            <a:effectRef idx="0">
+              <a:schemeClr val="dk1"/>
+            </a:effectRef>
+            <a:fontRef idx="minor">
+              <a:schemeClr val="dk1"/>
+            </a:fontRef>
+          </p:style>
+          <p:txBody>
+            <a:bodyPr rtlCol="0" anchor="ctr"/>
+            <a:lstStyle/>
+            <a:p>
+              <a:r>
+                <a:rPr lang="en-US" altLang="zh-CN" b="1" dirty="0">
+                  <a:solidFill>
+                    <a:schemeClr val="tx1"/>
+                  </a:solidFill>
+                  <a:latin typeface="Calibri" panose="020F0502020204030204" pitchFamily="34" charset="0"/>
+                  <a:cs typeface="Calibri" panose="020F0502020204030204" pitchFamily="34" charset="0"/>
+                </a:rPr>
+                <a:t>Server API:</a:t>
+              </a:r>
+            </a:p>
+            <a:p>
+              <a:pPr marL="285750" indent="-285750">
+                <a:buFont typeface="Arial" panose="020B0604020202020204" pitchFamily="34" charset="0"/>
+                <a:buChar char="•"/>
+              </a:pPr>
+              <a:r>
+                <a:rPr lang="en-US" altLang="zh-CN" b="1" i="1" dirty="0">
+                  <a:solidFill>
+                    <a:schemeClr val="tx1"/>
+                  </a:solidFill>
+                  <a:latin typeface="Times New Roman" panose="02020603050405020304" pitchFamily="18" charset="0"/>
+                  <a:cs typeface="Times New Roman" panose="02020603050405020304" pitchFamily="18" charset="0"/>
+                </a:rPr>
+                <a:t>Flask </a:t>
+              </a:r>
+              <a:r>
+                <a:rPr lang="en-US" altLang="zh-CN" b="1" dirty="0">
+                  <a:solidFill>
+                    <a:schemeClr val="tx1"/>
+                  </a:solidFill>
+                  <a:latin typeface="Calibri" panose="020F0502020204030204" pitchFamily="34" charset="0"/>
+                  <a:cs typeface="Calibri" panose="020F0502020204030204" pitchFamily="34" charset="0"/>
+                </a:rPr>
+                <a:t>for local server building or Lambda for cloud deployment;</a:t>
+              </a:r>
+            </a:p>
+            <a:p>
+              <a:pPr marL="285750" indent="-285750">
+                <a:buFont typeface="Arial" panose="020B0604020202020204" pitchFamily="34" charset="0"/>
+                <a:buChar char="•"/>
+              </a:pPr>
+              <a:r>
+                <a:rPr lang="en-US" b="1" i="1" dirty="0">
+                  <a:solidFill>
+                    <a:schemeClr val="tx1"/>
+                  </a:solidFill>
+                  <a:effectLst/>
+                  <a:latin typeface="Times New Roman" panose="02020603050405020304" pitchFamily="18" charset="0"/>
+                  <a:cs typeface="Times New Roman" panose="02020603050405020304" pitchFamily="18" charset="0"/>
+                </a:rPr>
+                <a:t>Psycopg2</a:t>
+              </a:r>
+              <a:r>
+                <a:rPr lang="en-US" b="1" dirty="0">
+                  <a:solidFill>
+                    <a:schemeClr val="tx1"/>
+                  </a:solidFill>
+                  <a:effectLst/>
+                  <a:latin typeface="Calibri" panose="020F0502020204030204" pitchFamily="34" charset="0"/>
+                  <a:cs typeface="Calibri" panose="020F0502020204030204" pitchFamily="34" charset="0"/>
+                </a:rPr>
+                <a:t> for </a:t>
+              </a:r>
+              <a:r>
+                <a:rPr lang="en-US" b="1" dirty="0" err="1">
+                  <a:solidFill>
+                    <a:schemeClr val="tx1"/>
+                  </a:solidFill>
+                  <a:effectLst/>
+                  <a:latin typeface="Calibri" panose="020F0502020204030204" pitchFamily="34" charset="0"/>
+                  <a:cs typeface="Calibri" panose="020F0502020204030204" pitchFamily="34" charset="0"/>
+                </a:rPr>
+                <a:t>Post</a:t>
+              </a:r>
+              <a:r>
+                <a:rPr lang="en-US" b="1" dirty="0" err="1">
+                  <a:solidFill>
+                    <a:schemeClr val="tx1"/>
+                  </a:solidFill>
+                  <a:latin typeface="Calibri" panose="020F0502020204030204" pitchFamily="34" charset="0"/>
+                  <a:cs typeface="Calibri" panose="020F0502020204030204" pitchFamily="34" charset="0"/>
+                </a:rPr>
+                <a:t>GIS</a:t>
+              </a:r>
+              <a:r>
+                <a:rPr lang="en-US" b="1" dirty="0">
+                  <a:solidFill>
+                    <a:schemeClr val="tx1"/>
+                  </a:solidFill>
+                  <a:latin typeface="Calibri" panose="020F0502020204030204" pitchFamily="34" charset="0"/>
+                  <a:cs typeface="Calibri" panose="020F0502020204030204" pitchFamily="34" charset="0"/>
+                </a:rPr>
+                <a:t> Connection</a:t>
+              </a:r>
+              <a:endParaRPr lang="en-US" b="1" dirty="0">
+                <a:solidFill>
+                  <a:schemeClr val="tx1"/>
+                </a:solidFill>
+                <a:effectLst/>
+                <a:latin typeface="Calibri" panose="020F0502020204030204" pitchFamily="34" charset="0"/>
+                <a:cs typeface="Calibri" panose="020F0502020204030204" pitchFamily="34" charset="0"/>
+              </a:endParaRPr>
+            </a:p>
+          </p:txBody>
+        </p:sp>
+        <p:sp>
+          <p:nvSpPr>
+            <p:cNvPr id="10" name="矩形 52">
+              <a:extLst>
+                <a:ext uri="{FF2B5EF4-FFF2-40B4-BE49-F238E27FC236}">
+                  <a16:creationId xmlns:a16="http://schemas.microsoft.com/office/drawing/2014/main" id="{AE041C70-D3E1-3205-1B7B-DF44830683C0}"/>
+                </a:ext>
+              </a:extLst>
+            </p:cNvPr>
+            <p:cNvSpPr/>
+            <p:nvPr/>
+          </p:nvSpPr>
+          <p:spPr>
+            <a:xfrm>
+              <a:off x="4769806" y="124541"/>
+              <a:ext cx="2881372" cy="1872564"/>
+            </a:xfrm>
+            <a:prstGeom prst="rect">
+              <a:avLst/>
+            </a:prstGeom>
+            <a:solidFill>
+              <a:schemeClr val="accent2">
+                <a:lumMod val="20000"/>
+                <a:lumOff val="80000"/>
+              </a:schemeClr>
+            </a:solidFill>
+            <a:ln/>
+          </p:spPr>
+          <p:style>
+            <a:lnRef idx="2">
+              <a:schemeClr val="dk1"/>
+            </a:lnRef>
+            <a:fillRef idx="1">
+              <a:schemeClr val="lt1"/>
+            </a:fillRef>
+            <a:effectRef idx="0">
+              <a:schemeClr val="dk1"/>
+            </a:effectRef>
+            <a:fontRef idx="minor">
+              <a:schemeClr val="dk1"/>
+            </a:fontRef>
+          </p:style>
+          <p:txBody>
+            <a:bodyPr rtlCol="0" anchor="ctr"/>
+            <a:lstStyle/>
+            <a:p>
+              <a:r>
+                <a:rPr lang="en-US" altLang="zh-CN" b="1" dirty="0">
+                  <a:solidFill>
+                    <a:schemeClr val="tx1"/>
+                  </a:solidFill>
+                  <a:latin typeface="Calibri" panose="020F0502020204030204" pitchFamily="34" charset="0"/>
+                  <a:cs typeface="Calibri" panose="020F0502020204030204" pitchFamily="34" charset="0"/>
+                </a:rPr>
+                <a:t>GIS Database:</a:t>
+              </a:r>
+            </a:p>
+            <a:p>
+              <a:pPr marL="285750" indent="-285750">
+                <a:buFont typeface="Arial" panose="020B0604020202020204" pitchFamily="34" charset="0"/>
+                <a:buChar char="•"/>
+              </a:pPr>
+              <a:r>
+                <a:rPr lang="en-US" altLang="zh-CN" b="1" i="1" dirty="0" err="1">
+                  <a:solidFill>
+                    <a:schemeClr val="tx1"/>
+                  </a:solidFill>
+                  <a:latin typeface="Times New Roman" panose="02020603050405020304" pitchFamily="18" charset="0"/>
+                  <a:cs typeface="Times New Roman" panose="02020603050405020304" pitchFamily="18" charset="0"/>
+                </a:rPr>
+                <a:t>PostGIS</a:t>
+              </a:r>
+              <a:r>
+                <a:rPr lang="en-US" altLang="zh-CN" b="1" dirty="0">
+                  <a:solidFill>
+                    <a:schemeClr val="tx1"/>
+                  </a:solidFill>
+                  <a:latin typeface="Calibri" panose="020F0502020204030204" pitchFamily="34" charset="0"/>
+                  <a:cs typeface="Calibri" panose="020F0502020204030204" pitchFamily="34" charset="0"/>
+                </a:rPr>
+                <a:t> for geospatial data storage, queries and GIS analysis;</a:t>
+              </a:r>
+            </a:p>
+            <a:p>
+              <a:pPr marL="285750" indent="-285750">
+                <a:buFont typeface="Arial" panose="020B0604020202020204" pitchFamily="34" charset="0"/>
+                <a:buChar char="•"/>
+              </a:pPr>
+              <a:r>
+                <a:rPr lang="en-US" altLang="zh-CN" b="1" i="1" dirty="0">
+                  <a:solidFill>
+                    <a:schemeClr val="tx1"/>
+                  </a:solidFill>
+                  <a:latin typeface="Times New Roman" panose="02020603050405020304" pitchFamily="18" charset="0"/>
+                  <a:cs typeface="Times New Roman" panose="02020603050405020304" pitchFamily="18" charset="0"/>
+                </a:rPr>
+                <a:t>Docker</a:t>
+              </a:r>
+              <a:r>
+                <a:rPr lang="en-US" altLang="zh-CN" b="1" dirty="0">
+                  <a:solidFill>
+                    <a:schemeClr val="tx1"/>
+                  </a:solidFill>
+                  <a:latin typeface="Calibri" panose="020F0502020204030204" pitchFamily="34" charset="0"/>
+                  <a:cs typeface="Calibri" panose="020F0502020204030204" pitchFamily="34" charset="0"/>
+                </a:rPr>
+                <a:t> for environment and API;</a:t>
+              </a:r>
+            </a:p>
+          </p:txBody>
+        </p:sp>
+        <p:cxnSp>
+          <p:nvCxnSpPr>
+            <p:cNvPr id="16" name="直接箭头连接符 27">
+              <a:extLst>
+                <a:ext uri="{FF2B5EF4-FFF2-40B4-BE49-F238E27FC236}">
+                  <a16:creationId xmlns:a16="http://schemas.microsoft.com/office/drawing/2014/main" id="{21F5782B-4201-CE44-F116-0C2E68C21680}"/>
+                </a:ext>
+              </a:extLst>
+            </p:cNvPr>
+            <p:cNvCxnSpPr>
+              <a:cxnSpLocks/>
+            </p:cNvCxnSpPr>
+            <p:nvPr/>
+          </p:nvCxnSpPr>
+          <p:spPr>
+            <a:xfrm>
+              <a:off x="5494830" y="1997105"/>
+              <a:ext cx="0" cy="781416"/>
+            </a:xfrm>
+            <a:prstGeom prst="straightConnector1">
+              <a:avLst/>
+            </a:prstGeom>
+            <a:ln>
+              <a:tailEnd type="triangle"/>
+            </a:ln>
+          </p:spPr>
+          <p:style>
+            <a:lnRef idx="3">
+              <a:schemeClr val="dk1"/>
+            </a:lnRef>
+            <a:fillRef idx="0">
+              <a:schemeClr val="dk1"/>
+            </a:fillRef>
+            <a:effectRef idx="2">
+              <a:schemeClr val="dk1"/>
+            </a:effectRef>
+            <a:fontRef idx="minor">
+              <a:schemeClr val="tx1"/>
+            </a:fontRef>
+          </p:style>
+        </p:cxnSp>
+        <p:sp>
+          <p:nvSpPr>
+            <p:cNvPr id="21" name="文本框 58">
+              <a:extLst>
+                <a:ext uri="{FF2B5EF4-FFF2-40B4-BE49-F238E27FC236}">
+                  <a16:creationId xmlns:a16="http://schemas.microsoft.com/office/drawing/2014/main" id="{E66C186D-5AE6-9633-3B84-BDBF5317E49A}"/>
+                </a:ext>
+              </a:extLst>
+            </p:cNvPr>
+            <p:cNvSpPr txBox="1"/>
+            <p:nvPr/>
+          </p:nvSpPr>
+          <p:spPr>
+            <a:xfrm>
+              <a:off x="2592810" y="4118924"/>
+              <a:ext cx="1574203" cy="307777"/>
+            </a:xfrm>
+            <a:prstGeom prst="rect">
+              <a:avLst/>
+            </a:prstGeom>
+            <a:noFill/>
+          </p:spPr>
+          <p:txBody>
+            <a:bodyPr wrap="square" rtlCol="0">
+              <a:spAutoFit/>
+            </a:bodyPr>
+            <a:lstStyle/>
+            <a:p>
+              <a:pPr algn="ctr"/>
+              <a:r>
+                <a:rPr lang="en-US" altLang="zh-CN" sz="1400" b="1" dirty="0">
+                  <a:latin typeface="Calibri" panose="020F0502020204030204" pitchFamily="34" charset="0"/>
+                  <a:cs typeface="Calibri" panose="020F0502020204030204" pitchFamily="34" charset="0"/>
+                </a:rPr>
+                <a:t>Send message</a:t>
+              </a:r>
+              <a:endParaRPr lang="zh-CN" altLang="en-US" sz="1400" b="1" dirty="0">
+                <a:latin typeface="Calibri" panose="020F0502020204030204" pitchFamily="34" charset="0"/>
+                <a:cs typeface="Calibri" panose="020F0502020204030204" pitchFamily="34" charset="0"/>
+              </a:endParaRPr>
+            </a:p>
+          </p:txBody>
+        </p:sp>
+        <p:sp>
+          <p:nvSpPr>
+            <p:cNvPr id="22" name="文本框 58">
+              <a:extLst>
+                <a:ext uri="{FF2B5EF4-FFF2-40B4-BE49-F238E27FC236}">
+                  <a16:creationId xmlns:a16="http://schemas.microsoft.com/office/drawing/2014/main" id="{23D37F8E-7EF2-D821-0678-EBF127E60A3C}"/>
+                </a:ext>
+              </a:extLst>
+            </p:cNvPr>
+            <p:cNvSpPr txBox="1"/>
+            <p:nvPr/>
+          </p:nvSpPr>
+          <p:spPr>
+            <a:xfrm>
+              <a:off x="7987185" y="3270861"/>
+              <a:ext cx="875108" cy="523220"/>
+            </a:xfrm>
+            <a:prstGeom prst="rect">
+              <a:avLst/>
+            </a:prstGeom>
+            <a:noFill/>
+          </p:spPr>
+          <p:txBody>
+            <a:bodyPr wrap="square" rtlCol="0">
+              <a:spAutoFit/>
+            </a:bodyPr>
+            <a:lstStyle/>
+            <a:p>
+              <a:pPr algn="ctr"/>
+              <a:r>
+                <a:rPr lang="en-US" sz="1400" b="1" dirty="0">
+                  <a:solidFill>
+                    <a:srgbClr val="0E0E0E"/>
+                  </a:solidFill>
+                  <a:latin typeface=".AppleSystemUIFont"/>
+                </a:rPr>
+                <a:t>Generate SQL</a:t>
+              </a:r>
+              <a:endParaRPr lang="en-US" sz="1400" b="1" dirty="0">
+                <a:solidFill>
+                  <a:srgbClr val="0E0E0E"/>
+                </a:solidFill>
+                <a:effectLst/>
+                <a:latin typeface=".AppleSystemUIFont"/>
+              </a:endParaRPr>
+            </a:p>
+          </p:txBody>
+        </p:sp>
+        <p:sp>
+          <p:nvSpPr>
+            <p:cNvPr id="25" name="文本框 58">
+              <a:extLst>
+                <a:ext uri="{FF2B5EF4-FFF2-40B4-BE49-F238E27FC236}">
+                  <a16:creationId xmlns:a16="http://schemas.microsoft.com/office/drawing/2014/main" id="{5DC148F1-6238-B266-9FD1-6CEB39B70E77}"/>
+                </a:ext>
+              </a:extLst>
+            </p:cNvPr>
+            <p:cNvSpPr txBox="1"/>
+            <p:nvPr/>
+          </p:nvSpPr>
+          <p:spPr>
+            <a:xfrm>
+              <a:off x="10025970" y="3167390"/>
+              <a:ext cx="959056" cy="523220"/>
+            </a:xfrm>
+            <a:prstGeom prst="rect">
+              <a:avLst/>
+            </a:prstGeom>
+            <a:noFill/>
+          </p:spPr>
+          <p:txBody>
+            <a:bodyPr wrap="square" rtlCol="0">
+              <a:spAutoFit/>
+            </a:bodyPr>
+            <a:lstStyle/>
+            <a:p>
+              <a:pPr algn="ctr"/>
+              <a:r>
+                <a:rPr lang="en-US" sz="1400" b="1" dirty="0">
+                  <a:solidFill>
+                    <a:srgbClr val="0E0E0E"/>
+                  </a:solidFill>
+                  <a:effectLst/>
+                  <a:latin typeface=".AppleSystemUIFont"/>
+                </a:rPr>
+                <a:t>Send the Prompt</a:t>
+              </a:r>
+              <a:endParaRPr lang="en-US" sz="1400" dirty="0">
+                <a:solidFill>
+                  <a:srgbClr val="0E0E0E"/>
+                </a:solidFill>
+                <a:effectLst/>
+                <a:latin typeface=".AppleSystemUIFont"/>
+              </a:endParaRPr>
+            </a:p>
+          </p:txBody>
+        </p:sp>
+        <p:cxnSp>
+          <p:nvCxnSpPr>
+            <p:cNvPr id="55" name="直接箭头连接符 27">
+              <a:extLst>
+                <a:ext uri="{FF2B5EF4-FFF2-40B4-BE49-F238E27FC236}">
+                  <a16:creationId xmlns:a16="http://schemas.microsoft.com/office/drawing/2014/main" id="{6C9578B7-7BE9-8499-B4E7-C4E675AEBBEF}"/>
+                </a:ext>
+              </a:extLst>
+            </p:cNvPr>
+            <p:cNvCxnSpPr>
+              <a:cxnSpLocks/>
+            </p:cNvCxnSpPr>
+            <p:nvPr/>
+          </p:nvCxnSpPr>
+          <p:spPr>
+            <a:xfrm flipV="1">
+              <a:off x="6983562" y="1997105"/>
+              <a:ext cx="0" cy="781416"/>
+            </a:xfrm>
+            <a:prstGeom prst="straightConnector1">
+              <a:avLst/>
+            </a:prstGeom>
+            <a:ln>
+              <a:tailEnd type="triangle"/>
+            </a:ln>
+          </p:spPr>
+          <p:style>
+            <a:lnRef idx="3">
+              <a:schemeClr val="dk1"/>
+            </a:lnRef>
+            <a:fillRef idx="0">
+              <a:schemeClr val="dk1"/>
+            </a:fillRef>
+            <a:effectRef idx="2">
+              <a:schemeClr val="dk1"/>
+            </a:effectRef>
+            <a:fontRef idx="minor">
+              <a:schemeClr val="tx1"/>
+            </a:fontRef>
+          </p:style>
+        </p:cxnSp>
+        <p:sp>
+          <p:nvSpPr>
+            <p:cNvPr id="58" name="文本框 58">
+              <a:extLst>
+                <a:ext uri="{FF2B5EF4-FFF2-40B4-BE49-F238E27FC236}">
+                  <a16:creationId xmlns:a16="http://schemas.microsoft.com/office/drawing/2014/main" id="{F42C238F-40A5-DBF9-5CCA-0AEA822E0A7E}"/>
+                </a:ext>
+              </a:extLst>
+            </p:cNvPr>
+            <p:cNvSpPr txBox="1"/>
+            <p:nvPr/>
+          </p:nvSpPr>
+          <p:spPr>
+            <a:xfrm>
+              <a:off x="6952944" y="2086784"/>
+              <a:ext cx="875108" cy="523220"/>
+            </a:xfrm>
+            <a:prstGeom prst="rect">
+              <a:avLst/>
+            </a:prstGeom>
+            <a:noFill/>
+          </p:spPr>
+          <p:txBody>
+            <a:bodyPr wrap="square" rtlCol="0">
+              <a:spAutoFit/>
+            </a:bodyPr>
+            <a:lstStyle/>
+            <a:p>
+              <a:pPr algn="ctr"/>
+              <a:r>
+                <a:rPr lang="en-US" sz="1400" b="1" dirty="0">
+                  <a:solidFill>
+                    <a:srgbClr val="0E0E0E"/>
+                  </a:solidFill>
+                  <a:effectLst/>
+                  <a:latin typeface=".AppleSystemUIFont"/>
+                </a:rPr>
+                <a:t>Query database</a:t>
+              </a:r>
+              <a:endParaRPr lang="en-US" sz="1400" dirty="0">
+                <a:solidFill>
+                  <a:srgbClr val="0E0E0E"/>
+                </a:solidFill>
+                <a:effectLst/>
+                <a:latin typeface=".AppleSystemUIFont"/>
+              </a:endParaRPr>
+            </a:p>
+          </p:txBody>
+        </p:sp>
+        <p:sp>
+          <p:nvSpPr>
+            <p:cNvPr id="61" name="文本框 58">
+              <a:extLst>
+                <a:ext uri="{FF2B5EF4-FFF2-40B4-BE49-F238E27FC236}">
+                  <a16:creationId xmlns:a16="http://schemas.microsoft.com/office/drawing/2014/main" id="{A89058DA-5946-623C-9B9A-6C84F6EE84FF}"/>
+                </a:ext>
+              </a:extLst>
+            </p:cNvPr>
+            <p:cNvSpPr txBox="1"/>
+            <p:nvPr/>
+          </p:nvSpPr>
+          <p:spPr>
+            <a:xfrm>
+              <a:off x="5353225" y="2108319"/>
+              <a:ext cx="959056" cy="523220"/>
+            </a:xfrm>
+            <a:prstGeom prst="rect">
+              <a:avLst/>
+            </a:prstGeom>
+            <a:noFill/>
+          </p:spPr>
+          <p:txBody>
+            <a:bodyPr wrap="square" rtlCol="0">
+              <a:spAutoFit/>
+            </a:bodyPr>
+            <a:lstStyle/>
+            <a:p>
+              <a:pPr algn="ctr"/>
+              <a:r>
+                <a:rPr lang="en-US" sz="1400" b="1" dirty="0">
+                  <a:solidFill>
+                    <a:srgbClr val="0E0E0E"/>
+                  </a:solidFill>
+                  <a:effectLst/>
+                  <a:latin typeface=".AppleSystemUIFont"/>
+                </a:rPr>
+                <a:t>Return results</a:t>
+              </a:r>
+              <a:endParaRPr lang="en-US" sz="1400" dirty="0">
+                <a:solidFill>
+                  <a:srgbClr val="0E0E0E"/>
+                </a:solidFill>
+                <a:effectLst/>
+                <a:latin typeface=".AppleSystemUIFont"/>
+              </a:endParaRPr>
+            </a:p>
+          </p:txBody>
+        </p:sp>
+        <p:sp>
+          <p:nvSpPr>
+            <p:cNvPr id="65" name="文本框 58">
+              <a:extLst>
+                <a:ext uri="{FF2B5EF4-FFF2-40B4-BE49-F238E27FC236}">
+                  <a16:creationId xmlns:a16="http://schemas.microsoft.com/office/drawing/2014/main" id="{36C20F50-454B-478C-2983-B8E48E117586}"/>
+                </a:ext>
+              </a:extLst>
+            </p:cNvPr>
+            <p:cNvSpPr txBox="1"/>
+            <p:nvPr/>
+          </p:nvSpPr>
+          <p:spPr>
+            <a:xfrm>
+              <a:off x="2775020" y="3279363"/>
+              <a:ext cx="1574203" cy="307777"/>
+            </a:xfrm>
+            <a:prstGeom prst="rect">
+              <a:avLst/>
+            </a:prstGeom>
+            <a:noFill/>
+          </p:spPr>
+          <p:txBody>
+            <a:bodyPr wrap="square" rtlCol="0">
+              <a:spAutoFit/>
+            </a:bodyPr>
+            <a:lstStyle/>
+            <a:p>
+              <a:pPr algn="ctr"/>
+              <a:r>
+                <a:rPr lang="en-US" altLang="zh-CN" sz="1400" b="1" dirty="0">
+                  <a:latin typeface="Calibri" panose="020F0502020204030204" pitchFamily="34" charset="0"/>
+                  <a:cs typeface="Calibri" panose="020F0502020204030204" pitchFamily="34" charset="0"/>
+                </a:rPr>
+                <a:t>Return response</a:t>
+              </a:r>
+              <a:endParaRPr lang="zh-CN" altLang="en-US" sz="1400" b="1" dirty="0">
+                <a:latin typeface="Calibri" panose="020F0502020204030204" pitchFamily="34" charset="0"/>
+                <a:cs typeface="Calibri" panose="020F0502020204030204" pitchFamily="34" charset="0"/>
+              </a:endParaRPr>
+            </a:p>
+          </p:txBody>
+        </p:sp>
+        <p:cxnSp>
+          <p:nvCxnSpPr>
+            <p:cNvPr id="67" name="Elbow Connector 66">
+              <a:extLst>
+                <a:ext uri="{FF2B5EF4-FFF2-40B4-BE49-F238E27FC236}">
+                  <a16:creationId xmlns:a16="http://schemas.microsoft.com/office/drawing/2014/main" id="{8E54F824-BF5B-939B-CE42-6F40B16AC039}"/>
+                </a:ext>
+              </a:extLst>
+            </p:cNvPr>
+            <p:cNvCxnSpPr>
+              <a:cxnSpLocks/>
+            </p:cNvCxnSpPr>
+            <p:nvPr/>
+          </p:nvCxnSpPr>
+          <p:spPr>
+            <a:xfrm>
+              <a:off x="3287028" y="2821797"/>
+              <a:ext cx="1508138" cy="449064"/>
+            </a:xfrm>
+            <a:prstGeom prst="bentConnector3">
+              <a:avLst>
+                <a:gd name="adj1" fmla="val -4925"/>
+              </a:avLst>
+            </a:prstGeom>
+            <a:ln>
+              <a:tailEnd type="triangle"/>
+            </a:ln>
+          </p:spPr>
+          <p:style>
+            <a:lnRef idx="2">
+              <a:schemeClr val="dk1"/>
+            </a:lnRef>
+            <a:fillRef idx="0">
+              <a:schemeClr val="dk1"/>
+            </a:fillRef>
+            <a:effectRef idx="1">
+              <a:schemeClr val="dk1"/>
+            </a:effectRef>
+            <a:fontRef idx="minor">
+              <a:schemeClr val="tx1"/>
+            </a:fontRef>
+          </p:style>
+        </p:cxnSp>
+        <p:cxnSp>
+          <p:nvCxnSpPr>
+            <p:cNvPr id="69" name="Elbow Connector 68">
+              <a:extLst>
+                <a:ext uri="{FF2B5EF4-FFF2-40B4-BE49-F238E27FC236}">
+                  <a16:creationId xmlns:a16="http://schemas.microsoft.com/office/drawing/2014/main" id="{DD32AA58-6FD4-0EEF-942B-093F1B24986B}"/>
+                </a:ext>
+              </a:extLst>
+            </p:cNvPr>
+            <p:cNvCxnSpPr>
+              <a:cxnSpLocks/>
+            </p:cNvCxnSpPr>
+            <p:nvPr/>
+          </p:nvCxnSpPr>
+          <p:spPr>
+            <a:xfrm rot="10800000">
+              <a:off x="1000462" y="2821798"/>
+              <a:ext cx="3746363" cy="1297129"/>
+            </a:xfrm>
+            <a:prstGeom prst="bentConnector3">
+              <a:avLst>
+                <a:gd name="adj1" fmla="val 99964"/>
+              </a:avLst>
+            </a:prstGeom>
+            <a:ln>
+              <a:tailEnd type="triangle"/>
+            </a:ln>
+          </p:spPr>
+          <p:style>
+            <a:lnRef idx="2">
+              <a:schemeClr val="dk1"/>
+            </a:lnRef>
+            <a:fillRef idx="0">
+              <a:schemeClr val="dk1"/>
+            </a:fillRef>
+            <a:effectRef idx="1">
+              <a:schemeClr val="dk1"/>
+            </a:effectRef>
+            <a:fontRef idx="minor">
+              <a:schemeClr val="tx1"/>
+            </a:fontRef>
+          </p:style>
+        </p:cxnSp>
+        <p:sp>
+          <p:nvSpPr>
+            <p:cNvPr id="80" name="TextBox 79">
+              <a:extLst>
+                <a:ext uri="{FF2B5EF4-FFF2-40B4-BE49-F238E27FC236}">
+                  <a16:creationId xmlns:a16="http://schemas.microsoft.com/office/drawing/2014/main" id="{C284F259-114C-0B1C-6633-344A9324BED0}"/>
+                </a:ext>
+              </a:extLst>
+            </p:cNvPr>
+            <p:cNvSpPr txBox="1"/>
+            <p:nvPr/>
+          </p:nvSpPr>
+          <p:spPr>
+            <a:xfrm>
+              <a:off x="16278" y="1071834"/>
+              <a:ext cx="2080753" cy="523220"/>
+            </a:xfrm>
+            <a:prstGeom prst="rect">
+              <a:avLst/>
+            </a:prstGeom>
+            <a:noFill/>
+          </p:spPr>
+          <p:txBody>
+            <a:bodyPr wrap="square">
+              <a:spAutoFit/>
+            </a:bodyPr>
+            <a:lstStyle/>
+            <a:p>
+              <a:pPr algn="ctr"/>
+              <a:r>
+                <a:rPr lang="en-US" altLang="zh-CN" sz="2800" b="1" dirty="0">
+                  <a:latin typeface="Bradley Hand" pitchFamily="2" charset="77"/>
+                  <a:cs typeface="Calibri" panose="020F0502020204030204" pitchFamily="34" charset="0"/>
+                </a:rPr>
+                <a:t>Front-end </a:t>
+              </a:r>
+              <a:endParaRPr lang="zh-CN" altLang="en-US" sz="2800" b="1" dirty="0">
+                <a:latin typeface="Bradley Hand" pitchFamily="2" charset="77"/>
+                <a:cs typeface="Calibri" panose="020F0502020204030204" pitchFamily="34" charset="0"/>
+              </a:endParaRPr>
+            </a:p>
+          </p:txBody>
+        </p:sp>
+        <p:sp>
+          <p:nvSpPr>
+            <p:cNvPr id="82" name="TextBox 81">
+              <a:extLst>
+                <a:ext uri="{FF2B5EF4-FFF2-40B4-BE49-F238E27FC236}">
+                  <a16:creationId xmlns:a16="http://schemas.microsoft.com/office/drawing/2014/main" id="{3A2853DF-31DC-0DA0-1031-370D9BA181E3}"/>
+                </a:ext>
+              </a:extLst>
+            </p:cNvPr>
+            <p:cNvSpPr txBox="1"/>
+            <p:nvPr/>
+          </p:nvSpPr>
+          <p:spPr>
+            <a:xfrm>
+              <a:off x="5114252" y="6038354"/>
+              <a:ext cx="2139405" cy="523220"/>
+            </a:xfrm>
+            <a:prstGeom prst="rect">
+              <a:avLst/>
+            </a:prstGeom>
+            <a:noFill/>
+          </p:spPr>
+          <p:txBody>
+            <a:bodyPr wrap="square">
+              <a:spAutoFit/>
+            </a:bodyPr>
+            <a:lstStyle/>
+            <a:p>
+              <a:pPr algn="ctr"/>
+              <a:r>
+                <a:rPr lang="en-US" altLang="zh-CN" sz="2800" b="1" dirty="0">
+                  <a:solidFill>
+                    <a:schemeClr val="tx1"/>
+                  </a:solidFill>
+                  <a:latin typeface="Bradley Hand" pitchFamily="2" charset="77"/>
+                  <a:cs typeface="Calibri" panose="020F0502020204030204" pitchFamily="34" charset="0"/>
+                </a:rPr>
+                <a:t>Back-end </a:t>
+              </a:r>
+              <a:endParaRPr lang="zh-CN" altLang="en-US" sz="2800" b="1" dirty="0">
+                <a:solidFill>
+                  <a:schemeClr val="tx1"/>
+                </a:solidFill>
+                <a:latin typeface="Bradley Hand" pitchFamily="2" charset="77"/>
+                <a:cs typeface="Calibri" panose="020F0502020204030204" pitchFamily="34" charset="0"/>
+              </a:endParaRPr>
+            </a:p>
+          </p:txBody>
+        </p:sp>
+        <p:sp>
+          <p:nvSpPr>
+            <p:cNvPr id="6" name="矩形 52">
+              <a:extLst>
+                <a:ext uri="{FF2B5EF4-FFF2-40B4-BE49-F238E27FC236}">
+                  <a16:creationId xmlns:a16="http://schemas.microsoft.com/office/drawing/2014/main" id="{A7316C2D-5B27-2B8A-C3CC-92E8B0B486B3}"/>
+                </a:ext>
+              </a:extLst>
+            </p:cNvPr>
+            <p:cNvSpPr/>
+            <p:nvPr/>
+          </p:nvSpPr>
+          <p:spPr>
+            <a:xfrm>
+              <a:off x="8168536" y="4322457"/>
+              <a:ext cx="3572504" cy="1792088"/>
+            </a:xfrm>
+            <a:prstGeom prst="rect">
+              <a:avLst/>
+            </a:prstGeom>
+            <a:solidFill>
+              <a:schemeClr val="accent6">
+                <a:lumMod val="20000"/>
+                <a:lumOff val="80000"/>
+              </a:schemeClr>
+            </a:solidFill>
+            <a:ln/>
+          </p:spPr>
+          <p:style>
+            <a:lnRef idx="2">
+              <a:schemeClr val="dk1"/>
+            </a:lnRef>
+            <a:fillRef idx="1">
+              <a:schemeClr val="lt1"/>
+            </a:fillRef>
+            <a:effectRef idx="0">
+              <a:schemeClr val="dk1"/>
+            </a:effectRef>
+            <a:fontRef idx="minor">
+              <a:schemeClr val="dk1"/>
+            </a:fontRef>
+          </p:style>
+          <p:txBody>
+            <a:bodyPr rtlCol="0" anchor="ctr"/>
+            <a:lstStyle/>
+            <a:p>
+              <a:r>
+                <a:rPr lang="en-US" altLang="zh-CN" b="1" dirty="0">
+                  <a:solidFill>
+                    <a:schemeClr val="tx1"/>
+                  </a:solidFill>
+                  <a:latin typeface="Calibri" panose="020F0502020204030204" pitchFamily="34" charset="0"/>
+                  <a:cs typeface="Calibri" panose="020F0502020204030204" pitchFamily="34" charset="0"/>
+                </a:rPr>
+                <a:t>LLM Chat Model:</a:t>
+              </a:r>
+            </a:p>
+            <a:p>
+              <a:pPr marL="285750" indent="-285750">
+                <a:buFont typeface="Arial" panose="020B0604020202020204" pitchFamily="34" charset="0"/>
+                <a:buChar char="•"/>
+              </a:pPr>
+              <a:r>
+                <a:rPr lang="en-US" altLang="zh-CN" b="1" i="1" dirty="0" err="1">
+                  <a:solidFill>
+                    <a:schemeClr val="tx1"/>
+                  </a:solidFill>
+                  <a:latin typeface="Times New Roman" panose="02020603050405020304" pitchFamily="18" charset="0"/>
+                  <a:cs typeface="Times New Roman" panose="02020603050405020304" pitchFamily="18" charset="0"/>
+                </a:rPr>
+                <a:t>AnythingLLM</a:t>
+              </a:r>
+              <a:r>
+                <a:rPr lang="en-US" altLang="zh-CN" b="1" dirty="0">
+                  <a:solidFill>
+                    <a:schemeClr val="tx1"/>
+                  </a:solidFill>
+                  <a:latin typeface="Calibri" panose="020F0502020204030204" pitchFamily="34" charset="0"/>
+                  <a:cs typeface="Calibri" panose="020F0502020204030204" pitchFamily="34" charset="0"/>
+                </a:rPr>
+                <a:t> for LLM model </a:t>
+              </a:r>
+              <a:r>
+                <a:rPr lang="en-US" altLang="zh-CN" b="1" dirty="0" err="1">
+                  <a:solidFill>
+                    <a:schemeClr val="tx1"/>
+                  </a:solidFill>
+                  <a:latin typeface="Calibri" panose="020F0502020204030204" pitchFamily="34" charset="0"/>
+                  <a:cs typeface="Calibri" panose="020F0502020204030204" pitchFamily="34" charset="0"/>
+                </a:rPr>
+                <a:t>demployment</a:t>
+              </a:r>
+              <a:r>
+                <a:rPr lang="en-US" altLang="zh-CN" b="1" dirty="0">
+                  <a:solidFill>
+                    <a:schemeClr val="tx1"/>
+                  </a:solidFill>
+                  <a:latin typeface="Calibri" panose="020F0502020204030204" pitchFamily="34" charset="0"/>
+                  <a:cs typeface="Calibri" panose="020F0502020204030204" pitchFamily="34" charset="0"/>
+                </a:rPr>
+                <a:t>;</a:t>
+              </a:r>
+            </a:p>
+            <a:p>
+              <a:pPr marL="285750" indent="-285750">
+                <a:buFont typeface="Arial" panose="020B0604020202020204" pitchFamily="34" charset="0"/>
+                <a:buChar char="•"/>
+              </a:pPr>
+              <a:r>
+                <a:rPr lang="en-US" altLang="zh-CN" b="1" i="1" dirty="0">
+                  <a:solidFill>
+                    <a:schemeClr val="tx1"/>
+                  </a:solidFill>
+                  <a:latin typeface="Times New Roman" panose="02020603050405020304" pitchFamily="18" charset="0"/>
+                  <a:cs typeface="Times New Roman" panose="02020603050405020304" pitchFamily="18" charset="0"/>
+                </a:rPr>
+                <a:t>Docker</a:t>
+              </a:r>
+              <a:r>
+                <a:rPr lang="en-US" altLang="zh-CN" b="1" dirty="0">
+                  <a:solidFill>
+                    <a:schemeClr val="tx1"/>
+                  </a:solidFill>
+                  <a:latin typeface="Calibri" panose="020F0502020204030204" pitchFamily="34" charset="0"/>
+                  <a:cs typeface="Calibri" panose="020F0502020204030204" pitchFamily="34" charset="0"/>
+                </a:rPr>
+                <a:t> for environment and API;</a:t>
+              </a:r>
+            </a:p>
+            <a:p>
+              <a:pPr marL="285750" indent="-285750">
+                <a:buFont typeface="Arial" panose="020B0604020202020204" pitchFamily="34" charset="0"/>
+                <a:buChar char="•"/>
+              </a:pPr>
+              <a:r>
+                <a:rPr lang="en-US" altLang="zh-CN" b="1" i="1" dirty="0" err="1">
+                  <a:solidFill>
+                    <a:schemeClr val="tx1"/>
+                  </a:solidFill>
+                  <a:latin typeface="Times New Roman" panose="02020603050405020304" pitchFamily="18" charset="0"/>
+                  <a:cs typeface="Times New Roman" panose="02020603050405020304" pitchFamily="18" charset="0"/>
+                </a:rPr>
+                <a:t>Ollama</a:t>
+              </a:r>
+              <a:r>
+                <a:rPr lang="en-US" altLang="zh-CN" b="1" dirty="0">
+                  <a:solidFill>
+                    <a:schemeClr val="tx1"/>
+                  </a:solidFill>
+                  <a:latin typeface="Calibri" panose="020F0502020204030204" pitchFamily="34" charset="0"/>
+                  <a:cs typeface="Calibri" panose="020F0502020204030204" pitchFamily="34" charset="0"/>
+                </a:rPr>
+                <a:t> for local model or ChatGPT for LLM API;</a:t>
+              </a:r>
+            </a:p>
+          </p:txBody>
+        </p:sp>
+        <p:cxnSp>
+          <p:nvCxnSpPr>
+            <p:cNvPr id="7" name="Elbow Connector 6">
+              <a:extLst>
+                <a:ext uri="{FF2B5EF4-FFF2-40B4-BE49-F238E27FC236}">
+                  <a16:creationId xmlns:a16="http://schemas.microsoft.com/office/drawing/2014/main" id="{16993EAF-CC07-BE6C-9647-9A2A626042BB}"/>
+                </a:ext>
+              </a:extLst>
+            </p:cNvPr>
+            <p:cNvCxnSpPr>
+              <a:cxnSpLocks/>
+            </p:cNvCxnSpPr>
+            <p:nvPr/>
+          </p:nvCxnSpPr>
+          <p:spPr>
+            <a:xfrm>
+              <a:off x="5494830" y="4570609"/>
+              <a:ext cx="2648373" cy="1133137"/>
+            </a:xfrm>
+            <a:prstGeom prst="bentConnector3">
+              <a:avLst>
+                <a:gd name="adj1" fmla="val 2069"/>
+              </a:avLst>
+            </a:prstGeom>
+            <a:ln>
+              <a:tailEnd type="triangle"/>
+            </a:ln>
+          </p:spPr>
+          <p:style>
+            <a:lnRef idx="2">
+              <a:schemeClr val="dk1"/>
+            </a:lnRef>
+            <a:fillRef idx="0">
+              <a:schemeClr val="dk1"/>
+            </a:fillRef>
+            <a:effectRef idx="1">
+              <a:schemeClr val="dk1"/>
+            </a:effectRef>
+            <a:fontRef idx="minor">
+              <a:schemeClr val="tx1"/>
+            </a:fontRef>
+          </p:style>
+        </p:cxnSp>
+        <p:sp>
+          <p:nvSpPr>
+            <p:cNvPr id="14" name="文本框 58">
+              <a:extLst>
+                <a:ext uri="{FF2B5EF4-FFF2-40B4-BE49-F238E27FC236}">
+                  <a16:creationId xmlns:a16="http://schemas.microsoft.com/office/drawing/2014/main" id="{51E28EDA-F7AD-1901-4542-449C8DFF25DB}"/>
+                </a:ext>
+              </a:extLst>
+            </p:cNvPr>
+            <p:cNvSpPr txBox="1"/>
+            <p:nvPr/>
+          </p:nvSpPr>
+          <p:spPr>
+            <a:xfrm>
+              <a:off x="5587552" y="5090415"/>
+              <a:ext cx="1059217" cy="523220"/>
+            </a:xfrm>
+            <a:prstGeom prst="rect">
+              <a:avLst/>
+            </a:prstGeom>
+            <a:noFill/>
+          </p:spPr>
+          <p:txBody>
+            <a:bodyPr wrap="square" rtlCol="0">
+              <a:spAutoFit/>
+            </a:bodyPr>
+            <a:lstStyle/>
+            <a:p>
+              <a:pPr algn="ctr"/>
+              <a:r>
+                <a:rPr lang="en-US" altLang="zh-CN" sz="1400" b="1" dirty="0">
+                  <a:latin typeface="Calibri" panose="020F0502020204030204" pitchFamily="34" charset="0"/>
+                  <a:cs typeface="Calibri" panose="020F0502020204030204" pitchFamily="34" charset="0"/>
+                </a:rPr>
+                <a:t>Send user’s message</a:t>
+              </a:r>
+              <a:endParaRPr lang="zh-CN" altLang="en-US" sz="1400" b="1" dirty="0">
+                <a:latin typeface="Calibri" panose="020F0502020204030204" pitchFamily="34" charset="0"/>
+                <a:cs typeface="Calibri" panose="020F0502020204030204" pitchFamily="34" charset="0"/>
+              </a:endParaRPr>
+            </a:p>
+          </p:txBody>
+        </p:sp>
+        <p:cxnSp>
+          <p:nvCxnSpPr>
+            <p:cNvPr id="23" name="Elbow Connector 22">
+              <a:extLst>
+                <a:ext uri="{FF2B5EF4-FFF2-40B4-BE49-F238E27FC236}">
+                  <a16:creationId xmlns:a16="http://schemas.microsoft.com/office/drawing/2014/main" id="{A68F949F-9CF9-7A68-FCB6-744F3C3EC3AA}"/>
+                </a:ext>
+              </a:extLst>
+            </p:cNvPr>
+            <p:cNvCxnSpPr>
+              <a:cxnSpLocks/>
+            </p:cNvCxnSpPr>
+            <p:nvPr/>
+          </p:nvCxnSpPr>
+          <p:spPr>
+            <a:xfrm rot="10800000">
+              <a:off x="6983563" y="4570609"/>
+              <a:ext cx="1159643" cy="282162"/>
+            </a:xfrm>
+            <a:prstGeom prst="bentConnector3">
+              <a:avLst>
+                <a:gd name="adj1" fmla="val 100094"/>
+              </a:avLst>
+            </a:prstGeom>
+            <a:ln>
+              <a:tailEnd type="triangle"/>
+            </a:ln>
+          </p:spPr>
+          <p:style>
+            <a:lnRef idx="2">
+              <a:schemeClr val="dk1"/>
+            </a:lnRef>
+            <a:fillRef idx="0">
+              <a:schemeClr val="dk1"/>
+            </a:fillRef>
+            <a:effectRef idx="1">
+              <a:schemeClr val="dk1"/>
+            </a:effectRef>
+            <a:fontRef idx="minor">
+              <a:schemeClr val="tx1"/>
+            </a:fontRef>
+          </p:style>
+        </p:cxnSp>
+        <p:sp>
+          <p:nvSpPr>
+            <p:cNvPr id="31" name="文本框 58">
+              <a:extLst>
+                <a:ext uri="{FF2B5EF4-FFF2-40B4-BE49-F238E27FC236}">
+                  <a16:creationId xmlns:a16="http://schemas.microsoft.com/office/drawing/2014/main" id="{7F3F6459-8412-2566-C0A2-0F20C371E612}"/>
+                </a:ext>
+              </a:extLst>
+            </p:cNvPr>
+            <p:cNvSpPr txBox="1"/>
+            <p:nvPr/>
+          </p:nvSpPr>
+          <p:spPr>
+            <a:xfrm>
+              <a:off x="6646770" y="4844336"/>
+              <a:ext cx="1487456" cy="523220"/>
+            </a:xfrm>
+            <a:prstGeom prst="rect">
+              <a:avLst/>
+            </a:prstGeom>
+            <a:noFill/>
+          </p:spPr>
+          <p:txBody>
+            <a:bodyPr wrap="square" rtlCol="0">
+              <a:spAutoFit/>
+            </a:bodyPr>
+            <a:lstStyle/>
+            <a:p>
+              <a:pPr algn="ctr"/>
+              <a:r>
+                <a:rPr lang="en-US" altLang="zh-CN" sz="1400" b="1" dirty="0">
+                  <a:latin typeface="Calibri" panose="020F0502020204030204" pitchFamily="34" charset="0"/>
+                  <a:cs typeface="Calibri" panose="020F0502020204030204" pitchFamily="34" charset="0"/>
+                </a:rPr>
+                <a:t>Reply or prompt the Query Model</a:t>
+              </a:r>
+              <a:endParaRPr lang="zh-CN" altLang="en-US" sz="1400" b="1" dirty="0">
+                <a:latin typeface="Calibri" panose="020F0502020204030204" pitchFamily="34" charset="0"/>
+                <a:cs typeface="Calibri" panose="020F0502020204030204" pitchFamily="34" charset="0"/>
+              </a:endParaRPr>
+            </a:p>
+          </p:txBody>
+        </p:sp>
+        <p:cxnSp>
+          <p:nvCxnSpPr>
+            <p:cNvPr id="38" name="Elbow Connector 37">
+              <a:extLst>
+                <a:ext uri="{FF2B5EF4-FFF2-40B4-BE49-F238E27FC236}">
+                  <a16:creationId xmlns:a16="http://schemas.microsoft.com/office/drawing/2014/main" id="{3621A499-1424-0E3C-DFC2-CA1AFB883212}"/>
+                </a:ext>
+              </a:extLst>
+            </p:cNvPr>
+            <p:cNvCxnSpPr>
+              <a:cxnSpLocks/>
+            </p:cNvCxnSpPr>
+            <p:nvPr/>
+          </p:nvCxnSpPr>
+          <p:spPr>
+            <a:xfrm rot="10800000" flipV="1">
+              <a:off x="7637652" y="2800057"/>
+              <a:ext cx="1474076" cy="449268"/>
+            </a:xfrm>
+            <a:prstGeom prst="bentConnector3">
+              <a:avLst>
+                <a:gd name="adj1" fmla="val -355"/>
+              </a:avLst>
+            </a:prstGeom>
+            <a:ln>
+              <a:tailEnd type="triangle"/>
+            </a:ln>
+          </p:spPr>
+          <p:style>
+            <a:lnRef idx="2">
+              <a:schemeClr val="dk1"/>
+            </a:lnRef>
+            <a:fillRef idx="0">
+              <a:schemeClr val="dk1"/>
+            </a:fillRef>
+            <a:effectRef idx="1">
+              <a:schemeClr val="dk1"/>
+            </a:effectRef>
+            <a:fontRef idx="minor">
+              <a:schemeClr val="tx1"/>
+            </a:fontRef>
+          </p:style>
+        </p:cxnSp>
+        <p:cxnSp>
+          <p:nvCxnSpPr>
+            <p:cNvPr id="43" name="Elbow Connector 42">
+              <a:extLst>
+                <a:ext uri="{FF2B5EF4-FFF2-40B4-BE49-F238E27FC236}">
+                  <a16:creationId xmlns:a16="http://schemas.microsoft.com/office/drawing/2014/main" id="{384E9E47-7A7B-5210-E4A5-FFE8FFD0BF11}"/>
+                </a:ext>
+              </a:extLst>
+            </p:cNvPr>
+            <p:cNvCxnSpPr>
+              <a:cxnSpLocks/>
+            </p:cNvCxnSpPr>
+            <p:nvPr/>
+          </p:nvCxnSpPr>
+          <p:spPr>
+            <a:xfrm flipV="1">
+              <a:off x="7637652" y="2809486"/>
+              <a:ext cx="3324390" cy="1239031"/>
+            </a:xfrm>
+            <a:prstGeom prst="bentConnector3">
+              <a:avLst>
+                <a:gd name="adj1" fmla="val 100158"/>
+              </a:avLst>
+            </a:prstGeom>
+            <a:ln>
+              <a:tailEnd type="triangle"/>
+            </a:ln>
+          </p:spPr>
+          <p:style>
+            <a:lnRef idx="2">
+              <a:schemeClr val="dk1"/>
+            </a:lnRef>
+            <a:fillRef idx="0">
+              <a:schemeClr val="dk1"/>
+            </a:fillRef>
+            <a:effectRef idx="1">
+              <a:schemeClr val="dk1"/>
+            </a:effectRef>
+            <a:fontRef idx="minor">
+              <a:schemeClr val="tx1"/>
+            </a:fontRef>
+          </p:style>
+        </p:cxnSp>
+      </p:grpSp>
+    </p:spTree>
+    <p:extLst>
+      <p:ext uri="{BB962C8B-B14F-4D97-AF65-F5344CB8AC3E}">
+        <p14:creationId xmlns:p14="http://schemas.microsoft.com/office/powerpoint/2010/main" val="3315751715"/>
+      </p:ext>
+    </p:extLst>
+  </p:cSld>
+  <p:clrMapOvr>
+    <a:masterClrMapping/>
+  </p:clrMapOvr>
+</p:sld>
+</file>
+
 <file path=ppt/theme/theme1.xml><?xml version="1.0" encoding="utf-8"?>
 <a:theme xmlns:a="http://schemas.openxmlformats.org/drawingml/2006/main" name="Office Theme">
   <a:themeElements>
